--- a/Diplom_Data_Analyst/Презентация к Диплому DA-19.pptx
+++ b/Diplom_Data_Analyst/Презентация к Диплому DA-19.pptx
@@ -3093,20 +3093,12 @@
               <a:rPr lang="ru-RU" dirty="0"/>
               <a:t>Анализ данных по COVID-19. </a:t>
             </a:r>
-            <a:r>
-              <a:rPr lang="ru-RU" dirty="0"/>
-              <a:t/>
-            </a:r>
             <a:br>
               <a:rPr lang="ru-RU" dirty="0"/>
             </a:br>
             <a:r>
               <a:rPr lang="ru-RU" dirty="0"/>
               <a:t>Исследование фактора вакцинации.</a:t>
-            </a:r>
-            <a:r>
-              <a:rPr lang="ru-RU" dirty="0"/>
-              <a:t/>
             </a:r>
             <a:br>
               <a:rPr lang="ru-RU" dirty="0"/>
@@ -3203,6 +3195,13 @@
   <p:clrMapOvr>
     <a:masterClrMapping/>
   </p:clrMapOvr>
+  <p:timing>
+    <p:tnLst>
+      <p:par>
+        <p:cTn id="1" dur="indefinite" restart="never" nodeType="tmRoot"/>
+      </p:par>
+    </p:tnLst>
+  </p:timing>
 </p:sld>
 </file>
 
@@ -3317,6 +3316,13 @@
   <p:clrMapOvr>
     <a:masterClrMapping/>
   </p:clrMapOvr>
+  <p:timing>
+    <p:tnLst>
+      <p:par>
+        <p:cTn id="1" dur="indefinite" restart="never" nodeType="tmRoot"/>
+      </p:par>
+    </p:tnLst>
+  </p:timing>
 </p:sld>
 </file>
 
@@ -3409,6 +3415,13 @@
   <p:clrMapOvr>
     <a:masterClrMapping/>
   </p:clrMapOvr>
+  <p:timing>
+    <p:tnLst>
+      <p:par>
+        <p:cTn id="1" dur="indefinite" restart="never" nodeType="tmRoot"/>
+      </p:par>
+    </p:tnLst>
+  </p:timing>
 </p:sld>
 </file>
 
@@ -3491,6 +3504,13 @@
   <p:clrMapOvr>
     <a:masterClrMapping/>
   </p:clrMapOvr>
+  <p:timing>
+    <p:tnLst>
+      <p:par>
+        <p:cTn id="1" dur="indefinite" restart="never" nodeType="tmRoot"/>
+      </p:par>
+    </p:tnLst>
+  </p:timing>
 </p:sld>
 </file>
 
@@ -3610,6 +3630,13 @@
   <p:clrMapOvr>
     <a:masterClrMapping/>
   </p:clrMapOvr>
+  <p:timing>
+    <p:tnLst>
+      <p:par>
+        <p:cTn id="1" dur="indefinite" restart="never" nodeType="tmRoot"/>
+      </p:par>
+    </p:tnLst>
+  </p:timing>
 </p:sld>
 </file>
 
@@ -3730,6 +3757,13 @@
   <p:clrMapOvr>
     <a:masterClrMapping/>
   </p:clrMapOvr>
+  <p:timing>
+    <p:tnLst>
+      <p:par>
+        <p:cTn id="1" dur="indefinite" restart="never" nodeType="tmRoot"/>
+      </p:par>
+    </p:tnLst>
+  </p:timing>
 </p:sld>
 </file>
 
@@ -3834,7 +3868,11 @@
             <a:pPr algn="ctr"/>
             <a:r>
               <a:rPr lang="ru-RU" dirty="0" smtClean="0"/>
-              <a:t>и числом случаев заражений</a:t>
+              <a:t>и числом </a:t>
+            </a:r>
+            <a:r>
+              <a:rPr lang="ru-RU" dirty="0" smtClean="0"/>
+              <a:t>смертей</a:t>
             </a:r>
             <a:endParaRPr lang="ru-RU" dirty="0"/>
           </a:p>
@@ -3850,6 +3888,13 @@
   <p:clrMapOvr>
     <a:masterClrMapping/>
   </p:clrMapOvr>
+  <p:timing>
+    <p:tnLst>
+      <p:par>
+        <p:cTn id="1" dur="indefinite" restart="never" nodeType="tmRoot"/>
+      </p:par>
+    </p:tnLst>
+  </p:timing>
 </p:sld>
 </file>
 
@@ -3924,7 +3969,6 @@
               <a:rPr lang="ru-RU" dirty="0"/>
               <a:t>и смертей.</a:t>
             </a:r>
-            <a:endParaRPr lang="ru-RU" dirty="0"/>
           </a:p>
           <a:p>
             <a:r>
@@ -3960,6 +4004,13 @@
   <p:clrMapOvr>
     <a:masterClrMapping/>
   </p:clrMapOvr>
+  <p:timing>
+    <p:tnLst>
+      <p:par>
+        <p:cTn id="1" dur="indefinite" restart="never" nodeType="tmRoot"/>
+      </p:par>
+    </p:tnLst>
+  </p:timing>
 </p:sld>
 </file>
 
@@ -4032,6 +4083,13 @@
   <p:clrMapOvr>
     <a:masterClrMapping/>
   </p:clrMapOvr>
+  <p:timing>
+    <p:tnLst>
+      <p:par>
+        <p:cTn id="1" dur="indefinite" restart="never" nodeType="tmRoot"/>
+      </p:par>
+    </p:tnLst>
+  </p:timing>
 </p:sld>
 </file>
 
